--- a/Triangular Arbitrage.pptx
+++ b/Triangular Arbitrage.pptx
@@ -6,14 +6,15 @@
   </p:sldMasterIdLst>
   <p:sldIdLst>
     <p:sldId id="256" r:id="rId2"/>
-    <p:sldId id="270" r:id="rId3"/>
-    <p:sldId id="263" r:id="rId4"/>
-    <p:sldId id="264" r:id="rId5"/>
-    <p:sldId id="265" r:id="rId6"/>
-    <p:sldId id="266" r:id="rId7"/>
-    <p:sldId id="267" r:id="rId8"/>
-    <p:sldId id="268" r:id="rId9"/>
-    <p:sldId id="269" r:id="rId10"/>
+    <p:sldId id="271" r:id="rId3"/>
+    <p:sldId id="270" r:id="rId4"/>
+    <p:sldId id="263" r:id="rId5"/>
+    <p:sldId id="264" r:id="rId6"/>
+    <p:sldId id="265" r:id="rId7"/>
+    <p:sldId id="266" r:id="rId8"/>
+    <p:sldId id="267" r:id="rId9"/>
+    <p:sldId id="268" r:id="rId10"/>
+    <p:sldId id="269" r:id="rId11"/>
   </p:sldIdLst>
   <p:sldSz cx="12192000" cy="6858000"/>
   <p:notesSz cx="6858000" cy="9144000"/>
@@ -112,6 +113,11 @@
       </a:defRPr>
     </a:lvl9pPr>
   </p:defaultTextStyle>
+  <p:extLst>
+    <p:ext uri="{EFAFB233-063F-42B5-8137-9DF3F51BA10A}">
+      <p15:sldGuideLst xmlns:p15="http://schemas.microsoft.com/office/powerpoint/2012/main"/>
+    </p:ext>
+  </p:extLst>
 </p:presentation>
 </file>
 
@@ -16767,7 +16773,589 @@
 </p:sld>
 </file>
 
+<file path=ppt/slides/slide10.xml><?xml version="1.0" encoding="utf-8"?>
+<p:sld xmlns:a="http://schemas.openxmlformats.org/drawingml/2006/main" xmlns:r="http://schemas.openxmlformats.org/officeDocument/2006/relationships" xmlns:p="http://schemas.openxmlformats.org/presentationml/2006/main">
+  <p:cSld>
+    <p:bg>
+      <p:bgPr>
+        <a:solidFill>
+          <a:schemeClr val="bg1"/>
+        </a:solidFill>
+        <a:effectLst/>
+      </p:bgPr>
+    </p:bg>
+    <p:spTree>
+      <p:nvGrpSpPr>
+        <p:cNvPr id="1" name=""/>
+        <p:cNvGrpSpPr/>
+        <p:nvPr/>
+      </p:nvGrpSpPr>
+      <p:grpSpPr>
+        <a:xfrm>
+          <a:off x="0" y="0"/>
+          <a:ext cx="0" cy="0"/>
+          <a:chOff x="0" y="0"/>
+          <a:chExt cx="0" cy="0"/>
+        </a:xfrm>
+      </p:grpSpPr>
+      <p:sp useBgFill="1">
+        <p:nvSpPr>
+          <p:cNvPr id="21" name="Rectangle 20">
+            <a:extLst>
+              <a:ext uri="{FF2B5EF4-FFF2-40B4-BE49-F238E27FC236}">
+                <a16:creationId xmlns:a16="http://schemas.microsoft.com/office/drawing/2014/main" id="{A2679492-7988-4050-9056-542444452411}"/>
+              </a:ext>
+              <a:ext uri="{C183D7F6-B498-43B3-948B-1728B52AA6E4}">
+                <adec:decorative xmlns:adec="http://schemas.microsoft.com/office/drawing/2017/decorative" val="1"/>
+              </a:ext>
+            </a:extLst>
+          </p:cNvPr>
+          <p:cNvSpPr>
+            <a:spLocks noGrp="1" noRot="1" noChangeAspect="1" noMove="1" noResize="1" noEditPoints="1" noAdjustHandles="1" noChangeArrowheads="1" noChangeShapeType="1" noTextEdit="1"/>
+          </p:cNvSpPr>
+          <p:nvPr>
+            <p:extLst>
+              <p:ext uri="{386F3935-93C4-4BCD-93E2-E3B085C9AB24}">
+                <p16:designElem xmlns:p16="http://schemas.microsoft.com/office/powerpoint/2015/main" val="1"/>
+              </p:ext>
+            </p:extLst>
+          </p:nvPr>
+        </p:nvSpPr>
+        <p:spPr>
+          <a:xfrm>
+            <a:off x="0" y="0"/>
+            <a:ext cx="12192000" cy="6858000"/>
+          </a:xfrm>
+          <a:prstGeom prst="rect">
+            <a:avLst/>
+          </a:prstGeom>
+          <a:ln>
+            <a:noFill/>
+          </a:ln>
+        </p:spPr>
+        <p:style>
+          <a:lnRef idx="2">
+            <a:schemeClr val="accent1">
+              <a:shade val="50000"/>
+            </a:schemeClr>
+          </a:lnRef>
+          <a:fillRef idx="1">
+            <a:schemeClr val="accent1"/>
+          </a:fillRef>
+          <a:effectRef idx="0">
+            <a:schemeClr val="accent1"/>
+          </a:effectRef>
+          <a:fontRef idx="minor">
+            <a:schemeClr val="lt1"/>
+          </a:fontRef>
+        </p:style>
+        <p:txBody>
+          <a:bodyPr rtlCol="0" anchor="ctr"/>
+          <a:lstStyle/>
+          <a:p>
+            <a:pPr algn="ctr"/>
+            <a:endParaRPr lang="en-US"/>
+          </a:p>
+        </p:txBody>
+      </p:sp>
+      <p:sp>
+        <p:nvSpPr>
+          <p:cNvPr id="2" name="Title 1">
+            <a:extLst>
+              <a:ext uri="{FF2B5EF4-FFF2-40B4-BE49-F238E27FC236}">
+                <a16:creationId xmlns:a16="http://schemas.microsoft.com/office/drawing/2014/main" id="{928CCEFD-2917-354B-7F2E-70841A0AEA0A}"/>
+              </a:ext>
+            </a:extLst>
+          </p:cNvPr>
+          <p:cNvSpPr>
+            <a:spLocks noGrp="1"/>
+          </p:cNvSpPr>
+          <p:nvPr>
+            <p:ph type="title"/>
+          </p:nvPr>
+        </p:nvSpPr>
+        <p:spPr>
+          <a:xfrm>
+            <a:off x="6392584" y="501651"/>
+            <a:ext cx="4434720" cy="1716255"/>
+          </a:xfrm>
+        </p:spPr>
+        <p:txBody>
+          <a:bodyPr vert="horz" lIns="91440" tIns="45720" rIns="91440" bIns="45720" rtlCol="0" anchor="b">
+            <a:normAutofit/>
+          </a:bodyPr>
+          <a:lstStyle/>
+          <a:p>
+            <a:r>
+              <a:rPr lang="en-US" sz="5400" kern="1200">
+                <a:solidFill>
+                  <a:schemeClr val="tx1"/>
+                </a:solidFill>
+                <a:latin typeface="+mj-lt"/>
+                <a:ea typeface="+mj-ea"/>
+                <a:cs typeface="+mj-cs"/>
+              </a:rPr>
+              <a:t>Most useful prompts</a:t>
+            </a:r>
+          </a:p>
+        </p:txBody>
+      </p:sp>
+      <p:sp>
+        <p:nvSpPr>
+          <p:cNvPr id="22" name="Rectangle 21">
+            <a:extLst>
+              <a:ext uri="{FF2B5EF4-FFF2-40B4-BE49-F238E27FC236}">
+                <a16:creationId xmlns:a16="http://schemas.microsoft.com/office/drawing/2014/main" id="{B5ABDEAA-B248-4182-B67C-A925338E772D}"/>
+              </a:ext>
+              <a:ext uri="{C183D7F6-B498-43B3-948B-1728B52AA6E4}">
+                <adec:decorative xmlns:adec="http://schemas.microsoft.com/office/drawing/2017/decorative" val="1"/>
+              </a:ext>
+            </a:extLst>
+          </p:cNvPr>
+          <p:cNvSpPr>
+            <a:spLocks noGrp="1" noRot="1" noChangeAspect="1" noMove="1" noResize="1" noEditPoints="1" noAdjustHandles="1" noChangeArrowheads="1" noChangeShapeType="1" noTextEdit="1"/>
+          </p:cNvSpPr>
+          <p:nvPr>
+            <p:extLst>
+              <p:ext uri="{386F3935-93C4-4BCD-93E2-E3B085C9AB24}">
+                <p16:designElem xmlns:p16="http://schemas.microsoft.com/office/powerpoint/2015/main" val="1"/>
+              </p:ext>
+            </p:extLst>
+          </p:nvPr>
+        </p:nvSpPr>
+        <p:spPr>
+          <a:xfrm>
+            <a:off x="1123008" y="252743"/>
+            <a:ext cx="4739619" cy="3042610"/>
+          </a:xfrm>
+          <a:prstGeom prst="rect">
+            <a:avLst/>
+          </a:prstGeom>
+          <a:gradFill flip="none" rotWithShape="1">
+            <a:gsLst>
+              <a:gs pos="100000">
+                <a:schemeClr val="accent4"/>
+              </a:gs>
+              <a:gs pos="0">
+                <a:schemeClr val="accent2"/>
+              </a:gs>
+            </a:gsLst>
+            <a:lin ang="2700000" scaled="1"/>
+            <a:tileRect/>
+          </a:gradFill>
+          <a:ln>
+            <a:noFill/>
+          </a:ln>
+        </p:spPr>
+        <p:style>
+          <a:lnRef idx="2">
+            <a:schemeClr val="accent1">
+              <a:shade val="50000"/>
+            </a:schemeClr>
+          </a:lnRef>
+          <a:fillRef idx="1">
+            <a:schemeClr val="accent1"/>
+          </a:fillRef>
+          <a:effectRef idx="0">
+            <a:schemeClr val="accent1"/>
+          </a:effectRef>
+          <a:fontRef idx="minor">
+            <a:schemeClr val="lt1"/>
+          </a:fontRef>
+        </p:style>
+        <p:txBody>
+          <a:bodyPr rtlCol="0" anchor="ctr"/>
+          <a:lstStyle/>
+          <a:p>
+            <a:pPr algn="ctr"/>
+            <a:endParaRPr lang="en-US"/>
+          </a:p>
+        </p:txBody>
+      </p:sp>
+      <p:pic>
+        <p:nvPicPr>
+          <p:cNvPr id="7" name="Picture 6" descr="A white background with black text&#10;&#10;AI-generated content may be incorrect.">
+            <a:extLst>
+              <a:ext uri="{FF2B5EF4-FFF2-40B4-BE49-F238E27FC236}">
+                <a16:creationId xmlns:a16="http://schemas.microsoft.com/office/drawing/2014/main" id="{4682CFB6-629B-B438-3EE7-A2FEAABB01B5}"/>
+              </a:ext>
+            </a:extLst>
+          </p:cNvPr>
+          <p:cNvPicPr>
+            <a:picLocks noChangeAspect="1"/>
+          </p:cNvPicPr>
+          <p:nvPr/>
+        </p:nvPicPr>
+        <p:blipFill>
+          <a:blip r:embed="rId2">
+            <a:extLst>
+              <a:ext uri="{28A0092B-C50C-407E-A947-70E740481C1C}">
+                <a14:useLocalDpi xmlns:a14="http://schemas.microsoft.com/office/drawing/2010/main" val="0"/>
+              </a:ext>
+            </a:extLst>
+          </a:blip>
+          <a:stretch>
+            <a:fillRect/>
+          </a:stretch>
+        </p:blipFill>
+        <p:spPr>
+          <a:xfrm>
+            <a:off x="1351910" y="1144850"/>
+            <a:ext cx="4281815" cy="1258396"/>
+          </a:xfrm>
+          <a:prstGeom prst="rect">
+            <a:avLst/>
+          </a:prstGeom>
+        </p:spPr>
+      </p:pic>
+      <p:sp>
+        <p:nvSpPr>
+          <p:cNvPr id="23" name="Rectangle 22">
+            <a:extLst>
+              <a:ext uri="{FF2B5EF4-FFF2-40B4-BE49-F238E27FC236}">
+                <a16:creationId xmlns:a16="http://schemas.microsoft.com/office/drawing/2014/main" id="{B091B163-7D61-4891-ABCF-5C13D9C418D0}"/>
+              </a:ext>
+              <a:ext uri="{C183D7F6-B498-43B3-948B-1728B52AA6E4}">
+                <adec:decorative xmlns:adec="http://schemas.microsoft.com/office/drawing/2017/decorative" val="1"/>
+              </a:ext>
+            </a:extLst>
+          </p:cNvPr>
+          <p:cNvSpPr>
+            <a:spLocks noGrp="1" noRot="1" noChangeAspect="1" noMove="1" noResize="1" noEditPoints="1" noAdjustHandles="1" noChangeArrowheads="1" noChangeShapeType="1" noTextEdit="1"/>
+          </p:cNvSpPr>
+          <p:nvPr>
+            <p:extLst>
+              <p:ext uri="{386F3935-93C4-4BCD-93E2-E3B085C9AB24}">
+                <p16:designElem xmlns:p16="http://schemas.microsoft.com/office/powerpoint/2015/main" val="1"/>
+              </p:ext>
+            </p:extLst>
+          </p:nvPr>
+        </p:nvSpPr>
+        <p:spPr>
+          <a:xfrm>
+            <a:off x="425449" y="3548095"/>
+            <a:ext cx="4739619" cy="3042610"/>
+          </a:xfrm>
+          <a:prstGeom prst="rect">
+            <a:avLst/>
+          </a:prstGeom>
+          <a:gradFill flip="none" rotWithShape="1">
+            <a:gsLst>
+              <a:gs pos="100000">
+                <a:schemeClr val="accent4"/>
+              </a:gs>
+              <a:gs pos="0">
+                <a:schemeClr val="accent2"/>
+              </a:gs>
+            </a:gsLst>
+            <a:lin ang="2700000" scaled="1"/>
+            <a:tileRect/>
+          </a:gradFill>
+          <a:ln>
+            <a:noFill/>
+          </a:ln>
+        </p:spPr>
+        <p:style>
+          <a:lnRef idx="2">
+            <a:schemeClr val="accent1">
+              <a:shade val="50000"/>
+            </a:schemeClr>
+          </a:lnRef>
+          <a:fillRef idx="1">
+            <a:schemeClr val="accent1"/>
+          </a:fillRef>
+          <a:effectRef idx="0">
+            <a:schemeClr val="accent1"/>
+          </a:effectRef>
+          <a:fontRef idx="minor">
+            <a:schemeClr val="lt1"/>
+          </a:fontRef>
+        </p:style>
+        <p:txBody>
+          <a:bodyPr rtlCol="0" anchor="ctr"/>
+          <a:lstStyle/>
+          <a:p>
+            <a:pPr algn="ctr"/>
+            <a:endParaRPr lang="en-US"/>
+          </a:p>
+        </p:txBody>
+      </p:sp>
+      <p:pic>
+        <p:nvPicPr>
+          <p:cNvPr id="5" name="Content Placeholder 4" descr="A white background with black text&#10;&#10;AI-generated content may be incorrect.">
+            <a:extLst>
+              <a:ext uri="{FF2B5EF4-FFF2-40B4-BE49-F238E27FC236}">
+                <a16:creationId xmlns:a16="http://schemas.microsoft.com/office/drawing/2014/main" id="{B4EFC5C5-3159-EBC7-30B5-29ACA53302FA}"/>
+              </a:ext>
+            </a:extLst>
+          </p:cNvPr>
+          <p:cNvPicPr>
+            <a:picLocks noGrp="1" noChangeAspect="1"/>
+          </p:cNvPicPr>
+          <p:nvPr>
+            <p:ph idx="1"/>
+          </p:nvPr>
+        </p:nvPicPr>
+        <p:blipFill>
+          <a:blip r:embed="rId3">
+            <a:extLst>
+              <a:ext uri="{28A0092B-C50C-407E-A947-70E740481C1C}">
+                <a14:useLocalDpi xmlns:a14="http://schemas.microsoft.com/office/drawing/2010/main" val="0"/>
+              </a:ext>
+            </a:extLst>
+          </a:blip>
+          <a:stretch>
+            <a:fillRect/>
+          </a:stretch>
+        </p:blipFill>
+        <p:spPr>
+          <a:xfrm>
+            <a:off x="654351" y="4754561"/>
+            <a:ext cx="4281815" cy="629678"/>
+          </a:xfrm>
+          <a:prstGeom prst="rect">
+            <a:avLst/>
+          </a:prstGeom>
+        </p:spPr>
+      </p:pic>
+      <p:sp>
+        <p:nvSpPr>
+          <p:cNvPr id="8" name="TextBox 7">
+            <a:extLst>
+              <a:ext uri="{FF2B5EF4-FFF2-40B4-BE49-F238E27FC236}">
+                <a16:creationId xmlns:a16="http://schemas.microsoft.com/office/drawing/2014/main" id="{D7198A8E-BF57-0CBE-4E9E-FC2F018CD05C}"/>
+              </a:ext>
+            </a:extLst>
+          </p:cNvPr>
+          <p:cNvSpPr txBox="1"/>
+          <p:nvPr/>
+        </p:nvSpPr>
+        <p:spPr>
+          <a:xfrm>
+            <a:off x="6392583" y="2645922"/>
+            <a:ext cx="4434721" cy="3710427"/>
+          </a:xfrm>
+          <a:prstGeom prst="rect">
+            <a:avLst/>
+          </a:prstGeom>
+        </p:spPr>
+        <p:txBody>
+          <a:bodyPr vert="horz" lIns="91440" tIns="45720" rIns="91440" bIns="45720" rtlCol="0" anchor="t">
+            <a:normAutofit/>
+          </a:bodyPr>
+          <a:lstStyle/>
+          <a:p>
+            <a:pPr indent="-228600">
+              <a:lnSpc>
+                <a:spcPct val="90000"/>
+              </a:lnSpc>
+              <a:spcAft>
+                <a:spcPts val="600"/>
+              </a:spcAft>
+              <a:buFont typeface="Arial" panose="020B0604020202020204" pitchFamily="34" charset="0"/>
+              <a:buChar char="•"/>
+            </a:pPr>
+            <a:r>
+              <a:rPr lang="en-US"/>
+              <a:t>These prompts helped us create much of the backend and UI for TriArbDemo.py, although it still required human input to optimize and improve the code.</a:t>
+            </a:r>
+          </a:p>
+        </p:txBody>
+      </p:sp>
+      <p:cxnSp>
+        <p:nvCxnSpPr>
+          <p:cNvPr id="24" name="Straight Connector 23">
+            <a:extLst>
+              <a:ext uri="{FF2B5EF4-FFF2-40B4-BE49-F238E27FC236}">
+                <a16:creationId xmlns:a16="http://schemas.microsoft.com/office/drawing/2014/main" id="{C49DA8F6-BCC1-4447-B54C-57856834B94B}"/>
+              </a:ext>
+              <a:ext uri="{C183D7F6-B498-43B3-948B-1728B52AA6E4}">
+                <adec:decorative xmlns:adec="http://schemas.microsoft.com/office/drawing/2017/decorative" val="1"/>
+              </a:ext>
+            </a:extLst>
+          </p:cNvPr>
+          <p:cNvCxnSpPr>
+            <a:cxnSpLocks noGrp="1" noRot="1" noChangeAspect="1" noMove="1" noResize="1" noEditPoints="1" noAdjustHandles="1" noChangeArrowheads="1" noChangeShapeType="1"/>
+          </p:cNvCxnSpPr>
+          <p:nvPr>
+            <p:extLst>
+              <p:ext uri="{386F3935-93C4-4BCD-93E2-E3B085C9AB24}">
+                <p16:designElem xmlns:p16="http://schemas.microsoft.com/office/powerpoint/2015/main" val="1"/>
+              </p:ext>
+            </p:extLst>
+          </p:nvPr>
+        </p:nvCxnSpPr>
+        <p:spPr>
+          <a:xfrm>
+            <a:off x="11586162" y="3610394"/>
+            <a:ext cx="0" cy="3238728"/>
+          </a:xfrm>
+          <a:prstGeom prst="line">
+            <a:avLst/>
+          </a:prstGeom>
+          <a:ln w="25400" cap="sq">
+            <a:gradFill flip="none" rotWithShape="1">
+              <a:gsLst>
+                <a:gs pos="0">
+                  <a:schemeClr val="accent2"/>
+                </a:gs>
+                <a:gs pos="100000">
+                  <a:schemeClr val="accent4"/>
+                </a:gs>
+              </a:gsLst>
+              <a:lin ang="16200000" scaled="1"/>
+              <a:tileRect/>
+            </a:gradFill>
+            <a:bevel/>
+          </a:ln>
+        </p:spPr>
+        <p:style>
+          <a:lnRef idx="1">
+            <a:schemeClr val="accent1"/>
+          </a:lnRef>
+          <a:fillRef idx="0">
+            <a:schemeClr val="accent1"/>
+          </a:fillRef>
+          <a:effectRef idx="0">
+            <a:schemeClr val="accent1"/>
+          </a:effectRef>
+          <a:fontRef idx="minor">
+            <a:schemeClr val="tx1"/>
+          </a:fontRef>
+        </p:style>
+      </p:cxnSp>
+    </p:spTree>
+    <p:extLst>
+      <p:ext uri="{BB962C8B-B14F-4D97-AF65-F5344CB8AC3E}">
+        <p14:creationId xmlns:p14="http://schemas.microsoft.com/office/powerpoint/2010/main" val="3824636784"/>
+      </p:ext>
+    </p:extLst>
+  </p:cSld>
+  <p:clrMapOvr>
+    <a:masterClrMapping/>
+  </p:clrMapOvr>
+</p:sld>
+</file>
+
 <file path=ppt/slides/slide2.xml><?xml version="1.0" encoding="utf-8"?>
+<p:sld xmlns:a="http://schemas.openxmlformats.org/drawingml/2006/main" xmlns:r="http://schemas.openxmlformats.org/officeDocument/2006/relationships" xmlns:p="http://schemas.openxmlformats.org/presentationml/2006/main">
+  <p:cSld>
+    <p:spTree>
+      <p:nvGrpSpPr>
+        <p:cNvPr id="1" name=""/>
+        <p:cNvGrpSpPr/>
+        <p:nvPr/>
+      </p:nvGrpSpPr>
+      <p:grpSpPr>
+        <a:xfrm>
+          <a:off x="0" y="0"/>
+          <a:ext cx="0" cy="0"/>
+          <a:chOff x="0" y="0"/>
+          <a:chExt cx="0" cy="0"/>
+        </a:xfrm>
+      </p:grpSpPr>
+      <p:sp>
+        <p:nvSpPr>
+          <p:cNvPr id="2" name="Title 1">
+            <a:extLst>
+              <a:ext uri="{FF2B5EF4-FFF2-40B4-BE49-F238E27FC236}">
+                <a16:creationId xmlns:a16="http://schemas.microsoft.com/office/drawing/2014/main" id="{3F25F614-9DA9-89BB-BCE1-EE97B0F5A28C}"/>
+              </a:ext>
+            </a:extLst>
+          </p:cNvPr>
+          <p:cNvSpPr>
+            <a:spLocks noGrp="1"/>
+          </p:cNvSpPr>
+          <p:nvPr>
+            <p:ph type="title"/>
+          </p:nvPr>
+        </p:nvSpPr>
+        <p:spPr/>
+        <p:txBody>
+          <a:bodyPr/>
+          <a:lstStyle/>
+          <a:p>
+            <a:r>
+              <a:rPr lang="en-US" dirty="0"/>
+              <a:t>Martins</a:t>
+            </a:r>
+            <a:endParaRPr lang="en-GB" dirty="0"/>
+          </a:p>
+        </p:txBody>
+      </p:sp>
+      <p:sp>
+        <p:nvSpPr>
+          <p:cNvPr id="3" name="Content Placeholder 2">
+            <a:extLst>
+              <a:ext uri="{FF2B5EF4-FFF2-40B4-BE49-F238E27FC236}">
+                <a16:creationId xmlns:a16="http://schemas.microsoft.com/office/drawing/2014/main" id="{BD37B68B-FBE6-5A7B-773C-5C0C6617EFC0}"/>
+              </a:ext>
+            </a:extLst>
+          </p:cNvPr>
+          <p:cNvSpPr>
+            <a:spLocks noGrp="1"/>
+          </p:cNvSpPr>
+          <p:nvPr>
+            <p:ph idx="1"/>
+          </p:nvPr>
+        </p:nvSpPr>
+        <p:spPr/>
+        <p:txBody>
+          <a:bodyPr/>
+          <a:lstStyle/>
+          <a:p>
+            <a:r>
+              <a:rPr lang="en-US" dirty="0"/>
+              <a:t>Location -  Belfast</a:t>
+            </a:r>
+          </a:p>
+          <a:p>
+            <a:r>
+              <a:rPr lang="en-US" dirty="0"/>
+              <a:t>University – Ulster University</a:t>
+            </a:r>
+          </a:p>
+          <a:p>
+            <a:r>
+              <a:rPr lang="en-US" dirty="0"/>
+              <a:t>Degree – Software Engineering</a:t>
+            </a:r>
+            <a:r>
+              <a:rPr lang="en-GB" dirty="0"/>
+              <a:t> (2</a:t>
+            </a:r>
+            <a:r>
+              <a:rPr lang="en-GB" baseline="30000" dirty="0"/>
+              <a:t>nd</a:t>
+            </a:r>
+            <a:r>
+              <a:rPr lang="en-GB" dirty="0"/>
+              <a:t> year)</a:t>
+            </a:r>
+          </a:p>
+          <a:p>
+            <a:r>
+              <a:rPr lang="en-GB" dirty="0"/>
+              <a:t>Interests/Hobbies – Photography, Tennis, Kayaking, GenAi, idea prototyping</a:t>
+            </a:r>
+            <a:endParaRPr lang="en-US" dirty="0"/>
+          </a:p>
+        </p:txBody>
+      </p:sp>
+    </p:spTree>
+    <p:extLst>
+      <p:ext uri="{BB962C8B-B14F-4D97-AF65-F5344CB8AC3E}">
+        <p14:creationId xmlns:p14="http://schemas.microsoft.com/office/powerpoint/2010/main" val="2815584565"/>
+      </p:ext>
+    </p:extLst>
+  </p:cSld>
+  <p:clrMapOvr>
+    <a:masterClrMapping/>
+  </p:clrMapOvr>
+</p:sld>
+</file>
+
+<file path=ppt/slides/slide3.xml><?xml version="1.0" encoding="utf-8"?>
 <p:sld xmlns:a="http://schemas.openxmlformats.org/drawingml/2006/main" xmlns:r="http://schemas.openxmlformats.org/officeDocument/2006/relationships" xmlns:p="http://schemas.openxmlformats.org/presentationml/2006/main">
   <p:cSld>
     <p:bg>
@@ -17592,7 +18180,7 @@
 </p:sld>
 </file>
 
-<file path=ppt/slides/slide3.xml><?xml version="1.0" encoding="utf-8"?>
+<file path=ppt/slides/slide4.xml><?xml version="1.0" encoding="utf-8"?>
 <p:sld xmlns:a="http://schemas.openxmlformats.org/drawingml/2006/main" xmlns:r="http://schemas.openxmlformats.org/officeDocument/2006/relationships" xmlns:p="http://schemas.openxmlformats.org/presentationml/2006/main">
   <p:cSld>
     <p:bg>
@@ -18307,7 +18895,7 @@
 </p:sld>
 </file>
 
-<file path=ppt/slides/slide4.xml><?xml version="1.0" encoding="utf-8"?>
+<file path=ppt/slides/slide5.xml><?xml version="1.0" encoding="utf-8"?>
 <p:sld xmlns:a="http://schemas.openxmlformats.org/drawingml/2006/main" xmlns:r="http://schemas.openxmlformats.org/officeDocument/2006/relationships" xmlns:p="http://schemas.openxmlformats.org/presentationml/2006/main">
   <p:cSld>
     <p:spTree>
@@ -18387,7 +18975,7 @@
 </p:sld>
 </file>
 
-<file path=ppt/slides/slide5.xml><?xml version="1.0" encoding="utf-8"?>
+<file path=ppt/slides/slide6.xml><?xml version="1.0" encoding="utf-8"?>
 <p:sld xmlns:a="http://schemas.openxmlformats.org/drawingml/2006/main" xmlns:r="http://schemas.openxmlformats.org/officeDocument/2006/relationships" xmlns:p="http://schemas.openxmlformats.org/presentationml/2006/main">
   <p:cSld>
     <p:bg>
@@ -19102,7 +19690,7 @@
 </p:sld>
 </file>
 
-<file path=ppt/slides/slide6.xml><?xml version="1.0" encoding="utf-8"?>
+<file path=ppt/slides/slide7.xml><?xml version="1.0" encoding="utf-8"?>
 <p:sld xmlns:a="http://schemas.openxmlformats.org/drawingml/2006/main" xmlns:r="http://schemas.openxmlformats.org/officeDocument/2006/relationships" xmlns:p="http://schemas.openxmlformats.org/presentationml/2006/main">
   <p:cSld>
     <p:spTree>
@@ -19186,7 +19774,7 @@
 </p:sld>
 </file>
 
-<file path=ppt/slides/slide7.xml><?xml version="1.0" encoding="utf-8"?>
+<file path=ppt/slides/slide8.xml><?xml version="1.0" encoding="utf-8"?>
 <p:sld xmlns:a="http://schemas.openxmlformats.org/drawingml/2006/main" xmlns:r="http://schemas.openxmlformats.org/officeDocument/2006/relationships" xmlns:p="http://schemas.openxmlformats.org/presentationml/2006/main">
   <p:cSld>
     <p:bg>
@@ -19889,7 +20477,7 @@
 </p:sld>
 </file>
 
-<file path=ppt/slides/slide8.xml><?xml version="1.0" encoding="utf-8"?>
+<file path=ppt/slides/slide9.xml><?xml version="1.0" encoding="utf-8"?>
 <p:sld xmlns:a="http://schemas.openxmlformats.org/drawingml/2006/main" xmlns:r="http://schemas.openxmlformats.org/officeDocument/2006/relationships" xmlns:p="http://schemas.openxmlformats.org/presentationml/2006/main">
   <p:cSld>
     <p:spTree>
@@ -19964,470 +20552,6 @@
     <p:extLst>
       <p:ext uri="{BB962C8B-B14F-4D97-AF65-F5344CB8AC3E}">
         <p14:creationId xmlns:p14="http://schemas.microsoft.com/office/powerpoint/2010/main" val="2262066804"/>
-      </p:ext>
-    </p:extLst>
-  </p:cSld>
-  <p:clrMapOvr>
-    <a:masterClrMapping/>
-  </p:clrMapOvr>
-</p:sld>
-</file>
-
-<file path=ppt/slides/slide9.xml><?xml version="1.0" encoding="utf-8"?>
-<p:sld xmlns:a="http://schemas.openxmlformats.org/drawingml/2006/main" xmlns:r="http://schemas.openxmlformats.org/officeDocument/2006/relationships" xmlns:p="http://schemas.openxmlformats.org/presentationml/2006/main">
-  <p:cSld>
-    <p:bg>
-      <p:bgPr>
-        <a:solidFill>
-          <a:schemeClr val="bg1"/>
-        </a:solidFill>
-        <a:effectLst/>
-      </p:bgPr>
-    </p:bg>
-    <p:spTree>
-      <p:nvGrpSpPr>
-        <p:cNvPr id="1" name=""/>
-        <p:cNvGrpSpPr/>
-        <p:nvPr/>
-      </p:nvGrpSpPr>
-      <p:grpSpPr>
-        <a:xfrm>
-          <a:off x="0" y="0"/>
-          <a:ext cx="0" cy="0"/>
-          <a:chOff x="0" y="0"/>
-          <a:chExt cx="0" cy="0"/>
-        </a:xfrm>
-      </p:grpSpPr>
-      <p:sp useBgFill="1">
-        <p:nvSpPr>
-          <p:cNvPr id="21" name="Rectangle 20">
-            <a:extLst>
-              <a:ext uri="{FF2B5EF4-FFF2-40B4-BE49-F238E27FC236}">
-                <a16:creationId xmlns:a16="http://schemas.microsoft.com/office/drawing/2014/main" id="{A2679492-7988-4050-9056-542444452411}"/>
-              </a:ext>
-              <a:ext uri="{C183D7F6-B498-43B3-948B-1728B52AA6E4}">
-                <adec:decorative xmlns:adec="http://schemas.microsoft.com/office/drawing/2017/decorative" val="1"/>
-              </a:ext>
-            </a:extLst>
-          </p:cNvPr>
-          <p:cNvSpPr>
-            <a:spLocks noGrp="1" noRot="1" noChangeAspect="1" noMove="1" noResize="1" noEditPoints="1" noAdjustHandles="1" noChangeArrowheads="1" noChangeShapeType="1" noTextEdit="1"/>
-          </p:cNvSpPr>
-          <p:nvPr>
-            <p:extLst>
-              <p:ext uri="{386F3935-93C4-4BCD-93E2-E3B085C9AB24}">
-                <p16:designElem xmlns:p16="http://schemas.microsoft.com/office/powerpoint/2015/main" val="1"/>
-              </p:ext>
-            </p:extLst>
-          </p:nvPr>
-        </p:nvSpPr>
-        <p:spPr>
-          <a:xfrm>
-            <a:off x="0" y="0"/>
-            <a:ext cx="12192000" cy="6858000"/>
-          </a:xfrm>
-          <a:prstGeom prst="rect">
-            <a:avLst/>
-          </a:prstGeom>
-          <a:ln>
-            <a:noFill/>
-          </a:ln>
-        </p:spPr>
-        <p:style>
-          <a:lnRef idx="2">
-            <a:schemeClr val="accent1">
-              <a:shade val="50000"/>
-            </a:schemeClr>
-          </a:lnRef>
-          <a:fillRef idx="1">
-            <a:schemeClr val="accent1"/>
-          </a:fillRef>
-          <a:effectRef idx="0">
-            <a:schemeClr val="accent1"/>
-          </a:effectRef>
-          <a:fontRef idx="minor">
-            <a:schemeClr val="lt1"/>
-          </a:fontRef>
-        </p:style>
-        <p:txBody>
-          <a:bodyPr rtlCol="0" anchor="ctr"/>
-          <a:lstStyle/>
-          <a:p>
-            <a:pPr algn="ctr"/>
-            <a:endParaRPr lang="en-US"/>
-          </a:p>
-        </p:txBody>
-      </p:sp>
-      <p:sp>
-        <p:nvSpPr>
-          <p:cNvPr id="2" name="Title 1">
-            <a:extLst>
-              <a:ext uri="{FF2B5EF4-FFF2-40B4-BE49-F238E27FC236}">
-                <a16:creationId xmlns:a16="http://schemas.microsoft.com/office/drawing/2014/main" id="{928CCEFD-2917-354B-7F2E-70841A0AEA0A}"/>
-              </a:ext>
-            </a:extLst>
-          </p:cNvPr>
-          <p:cNvSpPr>
-            <a:spLocks noGrp="1"/>
-          </p:cNvSpPr>
-          <p:nvPr>
-            <p:ph type="title"/>
-          </p:nvPr>
-        </p:nvSpPr>
-        <p:spPr>
-          <a:xfrm>
-            <a:off x="6392584" y="501651"/>
-            <a:ext cx="4434720" cy="1716255"/>
-          </a:xfrm>
-        </p:spPr>
-        <p:txBody>
-          <a:bodyPr vert="horz" lIns="91440" tIns="45720" rIns="91440" bIns="45720" rtlCol="0" anchor="b">
-            <a:normAutofit/>
-          </a:bodyPr>
-          <a:lstStyle/>
-          <a:p>
-            <a:r>
-              <a:rPr lang="en-US" sz="5400" kern="1200">
-                <a:solidFill>
-                  <a:schemeClr val="tx1"/>
-                </a:solidFill>
-                <a:latin typeface="+mj-lt"/>
-                <a:ea typeface="+mj-ea"/>
-                <a:cs typeface="+mj-cs"/>
-              </a:rPr>
-              <a:t>Most useful prompts</a:t>
-            </a:r>
-          </a:p>
-        </p:txBody>
-      </p:sp>
-      <p:sp>
-        <p:nvSpPr>
-          <p:cNvPr id="22" name="Rectangle 21">
-            <a:extLst>
-              <a:ext uri="{FF2B5EF4-FFF2-40B4-BE49-F238E27FC236}">
-                <a16:creationId xmlns:a16="http://schemas.microsoft.com/office/drawing/2014/main" id="{B5ABDEAA-B248-4182-B67C-A925338E772D}"/>
-              </a:ext>
-              <a:ext uri="{C183D7F6-B498-43B3-948B-1728B52AA6E4}">
-                <adec:decorative xmlns:adec="http://schemas.microsoft.com/office/drawing/2017/decorative" val="1"/>
-              </a:ext>
-            </a:extLst>
-          </p:cNvPr>
-          <p:cNvSpPr>
-            <a:spLocks noGrp="1" noRot="1" noChangeAspect="1" noMove="1" noResize="1" noEditPoints="1" noAdjustHandles="1" noChangeArrowheads="1" noChangeShapeType="1" noTextEdit="1"/>
-          </p:cNvSpPr>
-          <p:nvPr>
-            <p:extLst>
-              <p:ext uri="{386F3935-93C4-4BCD-93E2-E3B085C9AB24}">
-                <p16:designElem xmlns:p16="http://schemas.microsoft.com/office/powerpoint/2015/main" val="1"/>
-              </p:ext>
-            </p:extLst>
-          </p:nvPr>
-        </p:nvSpPr>
-        <p:spPr>
-          <a:xfrm>
-            <a:off x="1123008" y="252743"/>
-            <a:ext cx="4739619" cy="3042610"/>
-          </a:xfrm>
-          <a:prstGeom prst="rect">
-            <a:avLst/>
-          </a:prstGeom>
-          <a:gradFill flip="none" rotWithShape="1">
-            <a:gsLst>
-              <a:gs pos="100000">
-                <a:schemeClr val="accent4"/>
-              </a:gs>
-              <a:gs pos="0">
-                <a:schemeClr val="accent2"/>
-              </a:gs>
-            </a:gsLst>
-            <a:lin ang="2700000" scaled="1"/>
-            <a:tileRect/>
-          </a:gradFill>
-          <a:ln>
-            <a:noFill/>
-          </a:ln>
-        </p:spPr>
-        <p:style>
-          <a:lnRef idx="2">
-            <a:schemeClr val="accent1">
-              <a:shade val="50000"/>
-            </a:schemeClr>
-          </a:lnRef>
-          <a:fillRef idx="1">
-            <a:schemeClr val="accent1"/>
-          </a:fillRef>
-          <a:effectRef idx="0">
-            <a:schemeClr val="accent1"/>
-          </a:effectRef>
-          <a:fontRef idx="minor">
-            <a:schemeClr val="lt1"/>
-          </a:fontRef>
-        </p:style>
-        <p:txBody>
-          <a:bodyPr rtlCol="0" anchor="ctr"/>
-          <a:lstStyle/>
-          <a:p>
-            <a:pPr algn="ctr"/>
-            <a:endParaRPr lang="en-US"/>
-          </a:p>
-        </p:txBody>
-      </p:sp>
-      <p:pic>
-        <p:nvPicPr>
-          <p:cNvPr id="7" name="Picture 6" descr="A white background with black text&#10;&#10;AI-generated content may be incorrect.">
-            <a:extLst>
-              <a:ext uri="{FF2B5EF4-FFF2-40B4-BE49-F238E27FC236}">
-                <a16:creationId xmlns:a16="http://schemas.microsoft.com/office/drawing/2014/main" id="{4682CFB6-629B-B438-3EE7-A2FEAABB01B5}"/>
-              </a:ext>
-            </a:extLst>
-          </p:cNvPr>
-          <p:cNvPicPr>
-            <a:picLocks noChangeAspect="1"/>
-          </p:cNvPicPr>
-          <p:nvPr/>
-        </p:nvPicPr>
-        <p:blipFill>
-          <a:blip r:embed="rId2">
-            <a:extLst>
-              <a:ext uri="{28A0092B-C50C-407E-A947-70E740481C1C}">
-                <a14:useLocalDpi xmlns:a14="http://schemas.microsoft.com/office/drawing/2010/main" val="0"/>
-              </a:ext>
-            </a:extLst>
-          </a:blip>
-          <a:stretch>
-            <a:fillRect/>
-          </a:stretch>
-        </p:blipFill>
-        <p:spPr>
-          <a:xfrm>
-            <a:off x="1351910" y="1144850"/>
-            <a:ext cx="4281815" cy="1258396"/>
-          </a:xfrm>
-          <a:prstGeom prst="rect">
-            <a:avLst/>
-          </a:prstGeom>
-        </p:spPr>
-      </p:pic>
-      <p:sp>
-        <p:nvSpPr>
-          <p:cNvPr id="23" name="Rectangle 22">
-            <a:extLst>
-              <a:ext uri="{FF2B5EF4-FFF2-40B4-BE49-F238E27FC236}">
-                <a16:creationId xmlns:a16="http://schemas.microsoft.com/office/drawing/2014/main" id="{B091B163-7D61-4891-ABCF-5C13D9C418D0}"/>
-              </a:ext>
-              <a:ext uri="{C183D7F6-B498-43B3-948B-1728B52AA6E4}">
-                <adec:decorative xmlns:adec="http://schemas.microsoft.com/office/drawing/2017/decorative" val="1"/>
-              </a:ext>
-            </a:extLst>
-          </p:cNvPr>
-          <p:cNvSpPr>
-            <a:spLocks noGrp="1" noRot="1" noChangeAspect="1" noMove="1" noResize="1" noEditPoints="1" noAdjustHandles="1" noChangeArrowheads="1" noChangeShapeType="1" noTextEdit="1"/>
-          </p:cNvSpPr>
-          <p:nvPr>
-            <p:extLst>
-              <p:ext uri="{386F3935-93C4-4BCD-93E2-E3B085C9AB24}">
-                <p16:designElem xmlns:p16="http://schemas.microsoft.com/office/powerpoint/2015/main" val="1"/>
-              </p:ext>
-            </p:extLst>
-          </p:nvPr>
-        </p:nvSpPr>
-        <p:spPr>
-          <a:xfrm>
-            <a:off x="425449" y="3548095"/>
-            <a:ext cx="4739619" cy="3042610"/>
-          </a:xfrm>
-          <a:prstGeom prst="rect">
-            <a:avLst/>
-          </a:prstGeom>
-          <a:gradFill flip="none" rotWithShape="1">
-            <a:gsLst>
-              <a:gs pos="100000">
-                <a:schemeClr val="accent4"/>
-              </a:gs>
-              <a:gs pos="0">
-                <a:schemeClr val="accent2"/>
-              </a:gs>
-            </a:gsLst>
-            <a:lin ang="2700000" scaled="1"/>
-            <a:tileRect/>
-          </a:gradFill>
-          <a:ln>
-            <a:noFill/>
-          </a:ln>
-        </p:spPr>
-        <p:style>
-          <a:lnRef idx="2">
-            <a:schemeClr val="accent1">
-              <a:shade val="50000"/>
-            </a:schemeClr>
-          </a:lnRef>
-          <a:fillRef idx="1">
-            <a:schemeClr val="accent1"/>
-          </a:fillRef>
-          <a:effectRef idx="0">
-            <a:schemeClr val="accent1"/>
-          </a:effectRef>
-          <a:fontRef idx="minor">
-            <a:schemeClr val="lt1"/>
-          </a:fontRef>
-        </p:style>
-        <p:txBody>
-          <a:bodyPr rtlCol="0" anchor="ctr"/>
-          <a:lstStyle/>
-          <a:p>
-            <a:pPr algn="ctr"/>
-            <a:endParaRPr lang="en-US"/>
-          </a:p>
-        </p:txBody>
-      </p:sp>
-      <p:pic>
-        <p:nvPicPr>
-          <p:cNvPr id="5" name="Content Placeholder 4" descr="A white background with black text&#10;&#10;AI-generated content may be incorrect.">
-            <a:extLst>
-              <a:ext uri="{FF2B5EF4-FFF2-40B4-BE49-F238E27FC236}">
-                <a16:creationId xmlns:a16="http://schemas.microsoft.com/office/drawing/2014/main" id="{B4EFC5C5-3159-EBC7-30B5-29ACA53302FA}"/>
-              </a:ext>
-            </a:extLst>
-          </p:cNvPr>
-          <p:cNvPicPr>
-            <a:picLocks noGrp="1" noChangeAspect="1"/>
-          </p:cNvPicPr>
-          <p:nvPr>
-            <p:ph idx="1"/>
-          </p:nvPr>
-        </p:nvPicPr>
-        <p:blipFill>
-          <a:blip r:embed="rId3">
-            <a:extLst>
-              <a:ext uri="{28A0092B-C50C-407E-A947-70E740481C1C}">
-                <a14:useLocalDpi xmlns:a14="http://schemas.microsoft.com/office/drawing/2010/main" val="0"/>
-              </a:ext>
-            </a:extLst>
-          </a:blip>
-          <a:stretch>
-            <a:fillRect/>
-          </a:stretch>
-        </p:blipFill>
-        <p:spPr>
-          <a:xfrm>
-            <a:off x="654351" y="4754561"/>
-            <a:ext cx="4281815" cy="629678"/>
-          </a:xfrm>
-          <a:prstGeom prst="rect">
-            <a:avLst/>
-          </a:prstGeom>
-        </p:spPr>
-      </p:pic>
-      <p:sp>
-        <p:nvSpPr>
-          <p:cNvPr id="8" name="TextBox 7">
-            <a:extLst>
-              <a:ext uri="{FF2B5EF4-FFF2-40B4-BE49-F238E27FC236}">
-                <a16:creationId xmlns:a16="http://schemas.microsoft.com/office/drawing/2014/main" id="{D7198A8E-BF57-0CBE-4E9E-FC2F018CD05C}"/>
-              </a:ext>
-            </a:extLst>
-          </p:cNvPr>
-          <p:cNvSpPr txBox="1"/>
-          <p:nvPr/>
-        </p:nvSpPr>
-        <p:spPr>
-          <a:xfrm>
-            <a:off x="6392583" y="2645922"/>
-            <a:ext cx="4434721" cy="3710427"/>
-          </a:xfrm>
-          <a:prstGeom prst="rect">
-            <a:avLst/>
-          </a:prstGeom>
-        </p:spPr>
-        <p:txBody>
-          <a:bodyPr vert="horz" lIns="91440" tIns="45720" rIns="91440" bIns="45720" rtlCol="0" anchor="t">
-            <a:normAutofit/>
-          </a:bodyPr>
-          <a:lstStyle/>
-          <a:p>
-            <a:pPr indent="-228600">
-              <a:lnSpc>
-                <a:spcPct val="90000"/>
-              </a:lnSpc>
-              <a:spcAft>
-                <a:spcPts val="600"/>
-              </a:spcAft>
-              <a:buFont typeface="Arial" panose="020B0604020202020204" pitchFamily="34" charset="0"/>
-              <a:buChar char="•"/>
-            </a:pPr>
-            <a:r>
-              <a:rPr lang="en-US"/>
-              <a:t>These prompts helped us create much of the backend and UI for TriArbDemo.py, although it still required human input to optimize and improve the code.</a:t>
-            </a:r>
-          </a:p>
-        </p:txBody>
-      </p:sp>
-      <p:cxnSp>
-        <p:nvCxnSpPr>
-          <p:cNvPr id="24" name="Straight Connector 23">
-            <a:extLst>
-              <a:ext uri="{FF2B5EF4-FFF2-40B4-BE49-F238E27FC236}">
-                <a16:creationId xmlns:a16="http://schemas.microsoft.com/office/drawing/2014/main" id="{C49DA8F6-BCC1-4447-B54C-57856834B94B}"/>
-              </a:ext>
-              <a:ext uri="{C183D7F6-B498-43B3-948B-1728B52AA6E4}">
-                <adec:decorative xmlns:adec="http://schemas.microsoft.com/office/drawing/2017/decorative" val="1"/>
-              </a:ext>
-            </a:extLst>
-          </p:cNvPr>
-          <p:cNvCxnSpPr>
-            <a:cxnSpLocks noGrp="1" noRot="1" noChangeAspect="1" noMove="1" noResize="1" noEditPoints="1" noAdjustHandles="1" noChangeArrowheads="1" noChangeShapeType="1"/>
-          </p:cNvCxnSpPr>
-          <p:nvPr>
-            <p:extLst>
-              <p:ext uri="{386F3935-93C4-4BCD-93E2-E3B085C9AB24}">
-                <p16:designElem xmlns:p16="http://schemas.microsoft.com/office/powerpoint/2015/main" val="1"/>
-              </p:ext>
-            </p:extLst>
-          </p:nvPr>
-        </p:nvCxnSpPr>
-        <p:spPr>
-          <a:xfrm>
-            <a:off x="11586162" y="3610394"/>
-            <a:ext cx="0" cy="3238728"/>
-          </a:xfrm>
-          <a:prstGeom prst="line">
-            <a:avLst/>
-          </a:prstGeom>
-          <a:ln w="25400" cap="sq">
-            <a:gradFill flip="none" rotWithShape="1">
-              <a:gsLst>
-                <a:gs pos="0">
-                  <a:schemeClr val="accent2"/>
-                </a:gs>
-                <a:gs pos="100000">
-                  <a:schemeClr val="accent4"/>
-                </a:gs>
-              </a:gsLst>
-              <a:lin ang="16200000" scaled="1"/>
-              <a:tileRect/>
-            </a:gradFill>
-            <a:bevel/>
-          </a:ln>
-        </p:spPr>
-        <p:style>
-          <a:lnRef idx="1">
-            <a:schemeClr val="accent1"/>
-          </a:lnRef>
-          <a:fillRef idx="0">
-            <a:schemeClr val="accent1"/>
-          </a:fillRef>
-          <a:effectRef idx="0">
-            <a:schemeClr val="accent1"/>
-          </a:effectRef>
-          <a:fontRef idx="minor">
-            <a:schemeClr val="tx1"/>
-          </a:fontRef>
-        </p:style>
-      </p:cxnSp>
-    </p:spTree>
-    <p:extLst>
-      <p:ext uri="{BB962C8B-B14F-4D97-AF65-F5344CB8AC3E}">
-        <p14:creationId xmlns:p14="http://schemas.microsoft.com/office/powerpoint/2010/main" val="3824636784"/>
       </p:ext>
     </p:extLst>
   </p:cSld>

--- a/Triangular Arbitrage.pptx
+++ b/Triangular Arbitrage.pptx
@@ -112,6 +112,11 @@
       </a:defRPr>
     </a:lvl9pPr>
   </p:defaultTextStyle>
+  <p:extLst>
+    <p:ext uri="{EFAFB233-063F-42B5-8137-9DF3F51BA10A}">
+      <p15:sldGuideLst xmlns:p15="http://schemas.microsoft.com/office/powerpoint/2012/main"/>
+    </p:ext>
+  </p:extLst>
 </p:presentation>
 </file>
 
@@ -18345,7 +18350,15 @@
           <a:bodyPr/>
           <a:lstStyle/>
           <a:p>
-            <a:endParaRPr lang="en-GB"/>
+            <a:r>
+              <a:rPr lang="en-US" dirty="0">
+                <a:solidFill>
+                  <a:schemeClr val="dk1"/>
+                </a:solidFill>
+              </a:rPr>
+              <a:t>Testing</a:t>
+            </a:r>
+            <a:endParaRPr lang="en-GB" dirty="0"/>
           </a:p>
         </p:txBody>
       </p:sp>
@@ -18367,10 +18380,176 @@
         </p:nvSpPr>
         <p:spPr/>
         <p:txBody>
-          <a:bodyPr/>
+          <a:bodyPr>
+            <a:normAutofit fontScale="77500" lnSpcReduction="20000"/>
+          </a:bodyPr>
           <a:lstStyle/>
           <a:p>
-            <a:endParaRPr lang="en-GB"/>
+            <a:pPr>
+              <a:spcBef>
+                <a:spcPts val="1001"/>
+              </a:spcBef>
+              <a:buClr>
+                <a:srgbClr val="000000"/>
+              </a:buClr>
+              <a:buFont typeface="Arial"/>
+              <a:buChar char="•"/>
+            </a:pPr>
+            <a:r>
+              <a:rPr lang="en-US" dirty="0">
+                <a:solidFill>
+                  <a:schemeClr val="dk1"/>
+                </a:solidFill>
+              </a:rPr>
+              <a:t>This test suite evaluates the  model through a combination of unit and integration tests. </a:t>
+            </a:r>
+          </a:p>
+          <a:p>
+            <a:pPr>
+              <a:spcBef>
+                <a:spcPts val="1001"/>
+              </a:spcBef>
+              <a:buClr>
+                <a:srgbClr val="000000"/>
+              </a:buClr>
+              <a:buFont typeface="Arial"/>
+              <a:buChar char="•"/>
+            </a:pPr>
+            <a:r>
+              <a:rPr lang="en-US" dirty="0">
+                <a:solidFill>
+                  <a:schemeClr val="dk1"/>
+                </a:solidFill>
+              </a:rPr>
+              <a:t>Unit tests focus on individual methods, such as </a:t>
+            </a:r>
+            <a:r>
+              <a:rPr lang="en-US" dirty="0" err="1">
+                <a:solidFill>
+                  <a:schemeClr val="dk1"/>
+                </a:solidFill>
+              </a:rPr>
+              <a:t>fetch_symbol_info</a:t>
+            </a:r>
+            <a:r>
+              <a:rPr lang="en-US" dirty="0">
+                <a:solidFill>
+                  <a:schemeClr val="dk1"/>
+                </a:solidFill>
+              </a:rPr>
+              <a:t>, which mocks the Binance API to verify that variables are populated correctly, and </a:t>
+            </a:r>
+            <a:r>
+              <a:rPr lang="en-US" dirty="0" err="1">
+                <a:solidFill>
+                  <a:schemeClr val="dk1"/>
+                </a:solidFill>
+              </a:rPr>
+              <a:t>update_price</a:t>
+            </a:r>
+            <a:r>
+              <a:rPr lang="en-US" dirty="0">
+                <a:solidFill>
+                  <a:schemeClr val="dk1"/>
+                </a:solidFill>
+              </a:rPr>
+              <a:t>, which ensures the prices dictionary is updated as expected. </a:t>
+            </a:r>
+          </a:p>
+          <a:p>
+            <a:pPr>
+              <a:spcBef>
+                <a:spcPts val="1001"/>
+              </a:spcBef>
+              <a:buClr>
+                <a:srgbClr val="000000"/>
+              </a:buClr>
+              <a:buFont typeface="Arial"/>
+              <a:buChar char="•"/>
+            </a:pPr>
+            <a:r>
+              <a:rPr lang="en-US" dirty="0">
+                <a:solidFill>
+                  <a:schemeClr val="dk1"/>
+                </a:solidFill>
+              </a:rPr>
+              <a:t>Other unit tests include </a:t>
+            </a:r>
+            <a:r>
+              <a:rPr lang="en-US" dirty="0" err="1">
+                <a:solidFill>
+                  <a:schemeClr val="dk1"/>
+                </a:solidFill>
+              </a:rPr>
+              <a:t>build_triangles</a:t>
+            </a:r>
+            <a:r>
+              <a:rPr lang="en-US" dirty="0">
+                <a:solidFill>
+                  <a:schemeClr val="dk1"/>
+                </a:solidFill>
+              </a:rPr>
+              <a:t>, which checks if valid trading triangles are generated, </a:t>
+            </a:r>
+            <a:r>
+              <a:rPr lang="en-US" dirty="0" err="1">
+                <a:solidFill>
+                  <a:schemeClr val="dk1"/>
+                </a:solidFill>
+              </a:rPr>
+              <a:t>get_rate</a:t>
+            </a:r>
+            <a:r>
+              <a:rPr lang="en-US" dirty="0">
+                <a:solidFill>
+                  <a:schemeClr val="dk1"/>
+                </a:solidFill>
+              </a:rPr>
+              <a:t>, which validates rate calculations for various currency pairs.</a:t>
+            </a:r>
+          </a:p>
+          <a:p>
+            <a:pPr>
+              <a:spcBef>
+                <a:spcPts val="1001"/>
+              </a:spcBef>
+              <a:buClr>
+                <a:srgbClr val="000000"/>
+              </a:buClr>
+              <a:buFont typeface="Arial"/>
+              <a:buChar char="•"/>
+            </a:pPr>
+            <a:r>
+              <a:rPr lang="en-US" dirty="0">
+                <a:solidFill>
+                  <a:schemeClr val="dk1"/>
+                </a:solidFill>
+              </a:rPr>
+              <a:t>Integration tests simulate the interaction between components, such as mocking the Binance API and WebSocket to test the entire workflow from fetching symbol info to identifying arbitrage opportunities.</a:t>
+            </a:r>
+          </a:p>
+          <a:p>
+            <a:pPr>
+              <a:spcBef>
+                <a:spcPts val="1001"/>
+              </a:spcBef>
+              <a:buClr>
+                <a:srgbClr val="000000"/>
+              </a:buClr>
+              <a:buFont typeface="Arial"/>
+              <a:buChar char="•"/>
+            </a:pPr>
+            <a:r>
+              <a:rPr lang="en-US" dirty="0">
+                <a:solidFill>
+                  <a:schemeClr val="dk1"/>
+                </a:solidFill>
+              </a:rPr>
+              <a:t>Additional tests, such as performance, error handling, and edge case tests, ensure the system is robust, efficient, and handles unexpected scenarios gracefully.</a:t>
+            </a:r>
+          </a:p>
+          <a:p>
+            <a:endParaRPr lang="en-GB" dirty="0"/>
           </a:p>
         </p:txBody>
       </p:sp>
